--- a/CAD/Mechanical/Load cell and clamp mounting - supporting models/Figure editing/Figure editing.pptx
+++ b/CAD/Mechanical/Load cell and clamp mounting - supporting models/Figure editing/Figure editing.pptx
@@ -295,7 +295,7 @@
           <a:p>
             <a:fld id="{31925197-07B4-483D-AF51-A2B299987776}" type="datetimeFigureOut">
               <a:rPr lang="en-GB" smtClean="0"/>
-              <a:t>22/08/2023</a:t>
+              <a:t>19/02/2024</a:t>
             </a:fld>
             <a:endParaRPr lang="en-GB" dirty="0"/>
           </a:p>
@@ -465,7 +465,7 @@
           <a:p>
             <a:fld id="{31925197-07B4-483D-AF51-A2B299987776}" type="datetimeFigureOut">
               <a:rPr lang="en-GB" smtClean="0"/>
-              <a:t>22/08/2023</a:t>
+              <a:t>19/02/2024</a:t>
             </a:fld>
             <a:endParaRPr lang="en-GB" dirty="0"/>
           </a:p>
@@ -645,7 +645,7 @@
           <a:p>
             <a:fld id="{31925197-07B4-483D-AF51-A2B299987776}" type="datetimeFigureOut">
               <a:rPr lang="en-GB" smtClean="0"/>
-              <a:t>22/08/2023</a:t>
+              <a:t>19/02/2024</a:t>
             </a:fld>
             <a:endParaRPr lang="en-GB" dirty="0"/>
           </a:p>
@@ -815,7 +815,7 @@
           <a:p>
             <a:fld id="{31925197-07B4-483D-AF51-A2B299987776}" type="datetimeFigureOut">
               <a:rPr lang="en-GB" smtClean="0"/>
-              <a:t>22/08/2023</a:t>
+              <a:t>19/02/2024</a:t>
             </a:fld>
             <a:endParaRPr lang="en-GB" dirty="0"/>
           </a:p>
@@ -1061,7 +1061,7 @@
           <a:p>
             <a:fld id="{31925197-07B4-483D-AF51-A2B299987776}" type="datetimeFigureOut">
               <a:rPr lang="en-GB" smtClean="0"/>
-              <a:t>22/08/2023</a:t>
+              <a:t>19/02/2024</a:t>
             </a:fld>
             <a:endParaRPr lang="en-GB" dirty="0"/>
           </a:p>
@@ -1349,7 +1349,7 @@
           <a:p>
             <a:fld id="{31925197-07B4-483D-AF51-A2B299987776}" type="datetimeFigureOut">
               <a:rPr lang="en-GB" smtClean="0"/>
-              <a:t>22/08/2023</a:t>
+              <a:t>19/02/2024</a:t>
             </a:fld>
             <a:endParaRPr lang="en-GB" dirty="0"/>
           </a:p>
@@ -1771,7 +1771,7 @@
           <a:p>
             <a:fld id="{31925197-07B4-483D-AF51-A2B299987776}" type="datetimeFigureOut">
               <a:rPr lang="en-GB" smtClean="0"/>
-              <a:t>22/08/2023</a:t>
+              <a:t>19/02/2024</a:t>
             </a:fld>
             <a:endParaRPr lang="en-GB" dirty="0"/>
           </a:p>
@@ -1889,7 +1889,7 @@
           <a:p>
             <a:fld id="{31925197-07B4-483D-AF51-A2B299987776}" type="datetimeFigureOut">
               <a:rPr lang="en-GB" smtClean="0"/>
-              <a:t>22/08/2023</a:t>
+              <a:t>19/02/2024</a:t>
             </a:fld>
             <a:endParaRPr lang="en-GB" dirty="0"/>
           </a:p>
@@ -1984,7 +1984,7 @@
           <a:p>
             <a:fld id="{31925197-07B4-483D-AF51-A2B299987776}" type="datetimeFigureOut">
               <a:rPr lang="en-GB" smtClean="0"/>
-              <a:t>22/08/2023</a:t>
+              <a:t>19/02/2024</a:t>
             </a:fld>
             <a:endParaRPr lang="en-GB" dirty="0"/>
           </a:p>
@@ -2261,7 +2261,7 @@
           <a:p>
             <a:fld id="{31925197-07B4-483D-AF51-A2B299987776}" type="datetimeFigureOut">
               <a:rPr lang="en-GB" smtClean="0"/>
-              <a:t>22/08/2023</a:t>
+              <a:t>19/02/2024</a:t>
             </a:fld>
             <a:endParaRPr lang="en-GB" dirty="0"/>
           </a:p>
@@ -2514,7 +2514,7 @@
           <a:p>
             <a:fld id="{31925197-07B4-483D-AF51-A2B299987776}" type="datetimeFigureOut">
               <a:rPr lang="en-GB" smtClean="0"/>
-              <a:t>22/08/2023</a:t>
+              <a:t>19/02/2024</a:t>
             </a:fld>
             <a:endParaRPr lang="en-GB" dirty="0"/>
           </a:p>
@@ -2727,7 +2727,7 @@
           <a:p>
             <a:fld id="{31925197-07B4-483D-AF51-A2B299987776}" type="datetimeFigureOut">
               <a:rPr lang="en-GB" smtClean="0"/>
-              <a:t>22/08/2023</a:t>
+              <a:t>19/02/2024</a:t>
             </a:fld>
             <a:endParaRPr lang="en-GB" dirty="0"/>
           </a:p>
@@ -3187,15 +3187,7 @@
             <a:pPr algn="ctr"/>
             <a:r>
               <a:rPr lang="en-GB" sz="1600" dirty="0" smtClean="0"/>
-              <a:t>Fit plugs flush to surface and lightly thread lock </a:t>
-            </a:r>
-            <a:r>
-              <a:rPr lang="en-GB" sz="1600" dirty="0" smtClean="0"/>
-              <a:t>into </a:t>
-            </a:r>
-            <a:r>
-              <a:rPr lang="en-GB" sz="1600" dirty="0" smtClean="0"/>
-              <a:t>place</a:t>
+              <a:t>Fit plugs flush to surface and lightly thread lock into place</a:t>
             </a:r>
             <a:endParaRPr lang="en-GB" sz="1600" dirty="0"/>
           </a:p>
@@ -3889,7 +3881,15 @@
             <a:pPr algn="ctr"/>
             <a:r>
               <a:rPr lang="en-GB" sz="1600" dirty="0" smtClean="0"/>
-              <a:t>Mount centring ring with 2x M4x25mm countersunk head screws</a:t>
+              <a:t>Mount centring ring with 2x </a:t>
+            </a:r>
+            <a:r>
+              <a:rPr lang="en-GB" sz="1600" dirty="0" smtClean="0"/>
+              <a:t>M4x16mm </a:t>
+            </a:r>
+            <a:r>
+              <a:rPr lang="en-GB" sz="1600" dirty="0" smtClean="0"/>
+              <a:t>countersunk head screws</a:t>
             </a:r>
             <a:endParaRPr lang="en-GB" sz="1600" dirty="0"/>
           </a:p>
